--- a/ppt/theorie-n2.pptx
+++ b/ppt/theorie-n2.pptx
@@ -3376,8 +3376,8 @@
         </p:nvSpPr>
         <p:spPr>
           <a:xfrm>
-            <a:off x="4206314" y="869057"/>
-            <a:ext cx="2109488" cy="1384995"/>
+            <a:off x="4206313" y="869057"/>
+            <a:ext cx="2409639" cy="1384995"/>
           </a:xfrm>
           <a:prstGeom prst="rect">
             <a:avLst/>
@@ -3395,7 +3395,7 @@
           </a:ln>
         </p:spPr>
         <p:txBody>
-          <a:bodyPr wrap="none" rtlCol="0">
+          <a:bodyPr wrap="square" rtlCol="0">
             <a:spAutoFit/>
           </a:bodyPr>
           <a:lstStyle/>
@@ -3762,7 +3762,7 @@
         <p:spPr>
           <a:xfrm>
             <a:off x="4155269" y="3211392"/>
-            <a:ext cx="1938929" cy="892552"/>
+            <a:ext cx="2460684" cy="892552"/>
           </a:xfrm>
           <a:prstGeom prst="rect">
             <a:avLst/>
@@ -3780,7 +3780,7 @@
           </a:ln>
         </p:spPr>
         <p:txBody>
-          <a:bodyPr wrap="none" rtlCol="0">
+          <a:bodyPr wrap="square" rtlCol="0">
             <a:spAutoFit/>
           </a:bodyPr>
           <a:lstStyle/>
@@ -3903,8 +3903,8 @@
         </p:nvSpPr>
         <p:spPr>
           <a:xfrm>
-            <a:off x="4155269" y="4986400"/>
-            <a:ext cx="4182235" cy="1200329"/>
+            <a:off x="4155269" y="4558944"/>
+            <a:ext cx="4182235" cy="1754326"/>
           </a:xfrm>
           <a:prstGeom prst="rect">
             <a:avLst/>
@@ -3978,6 +3978,36 @@
                 </a:solidFill>
               </a:rPr>
               <a:t>Désaturation</a:t>
+            </a:r>
+          </a:p>
+          <a:p>
+            <a:r>
+              <a:rPr lang="fr-FR" dirty="0">
+                <a:solidFill>
+                  <a:schemeClr val="tx2">
+                    <a:lumMod val="75000"/>
+                    <a:lumOff val="25000"/>
+                  </a:schemeClr>
+                </a:solidFill>
+              </a:rPr>
+              <a:t>Planification / Orientation</a:t>
+            </a:r>
+          </a:p>
+          <a:p>
+            <a:pPr marL="285750" indent="-285750">
+              <a:buFont typeface="Arial" panose="020B0604020202020204" pitchFamily="34" charset="0"/>
+              <a:buChar char="•"/>
+            </a:pPr>
+            <a:r>
+              <a:rPr lang="fr-FR" dirty="0">
+                <a:solidFill>
+                  <a:schemeClr val="tx2">
+                    <a:lumMod val="75000"/>
+                    <a:lumOff val="25000"/>
+                  </a:schemeClr>
+                </a:solidFill>
+              </a:rPr>
+              <a:t>Dans le cadre de la pratique</a:t>
             </a:r>
           </a:p>
         </p:txBody>
